--- a/Bygga-Blogg.pptx
+++ b/Bygga-Blogg.pptx
@@ -20,14 +20,13 @@
     <p:sldId id="262" r:id="rId17"/>
     <p:sldId id="272" r:id="rId18"/>
     <p:sldId id="265" r:id="rId19"/>
-    <p:sldId id="278" r:id="rId20"/>
-    <p:sldId id="273" r:id="rId21"/>
-    <p:sldId id="274" r:id="rId22"/>
-    <p:sldId id="275" r:id="rId23"/>
-    <p:sldId id="276" r:id="rId24"/>
-    <p:sldId id="277" r:id="rId25"/>
-    <p:sldId id="279" r:id="rId26"/>
-    <p:sldId id="266" r:id="rId27"/>
+    <p:sldId id="273" r:id="rId20"/>
+    <p:sldId id="274" r:id="rId21"/>
+    <p:sldId id="275" r:id="rId22"/>
+    <p:sldId id="276" r:id="rId23"/>
+    <p:sldId id="277" r:id="rId24"/>
+    <p:sldId id="279" r:id="rId25"/>
+    <p:sldId id="266" r:id="rId26"/>
   </p:sldIdLst>
   <p:sldSz cx="12192000" cy="6858000"/>
   <p:notesSz cx="6858000" cy="9144000"/>
@@ -1390,7 +1389,7 @@
             <a:fld id="{9334D819-9F07-4261-B09B-9E467E5D9002}" type="datetimeFigureOut">
               <a:rPr lang="en-US" dirty="0"/>
               <a:pPr/>
-              <a:t>3/9/2023</a:t>
+              <a:t>3/16/2023</a:t>
             </a:fld>
             <a:endParaRPr lang="en-US" dirty="0"/>
           </a:p>
@@ -1624,7 +1623,7 @@
           <a:p>
             <a:fld id="{9334D819-9F07-4261-B09B-9E467E5D9002}" type="datetimeFigureOut">
               <a:rPr lang="en-US" dirty="0"/>
-              <a:t>3/9/2023</a:t>
+              <a:t>3/16/2023</a:t>
             </a:fld>
             <a:endParaRPr lang="en-US" dirty="0"/>
           </a:p>
@@ -1799,7 +1798,7 @@
           <a:p>
             <a:fld id="{9334D819-9F07-4261-B09B-9E467E5D9002}" type="datetimeFigureOut">
               <a:rPr lang="en-US" dirty="0"/>
-              <a:t>3/9/2023</a:t>
+              <a:t>3/16/2023</a:t>
             </a:fld>
             <a:endParaRPr lang="en-US" dirty="0"/>
           </a:p>
@@ -1964,7 +1963,7 @@
           <a:p>
             <a:fld id="{9334D819-9F07-4261-B09B-9E467E5D9002}" type="datetimeFigureOut">
               <a:rPr lang="en-US" dirty="0"/>
-              <a:t>3/9/2023</a:t>
+              <a:t>3/16/2023</a:t>
             </a:fld>
             <a:endParaRPr lang="en-US" dirty="0"/>
           </a:p>
@@ -2236,7 +2235,7 @@
             <a:fld id="{9334D819-9F07-4261-B09B-9E467E5D9002}" type="datetimeFigureOut">
               <a:rPr lang="en-US" dirty="0"/>
               <a:pPr/>
-              <a:t>3/9/2023</a:t>
+              <a:t>3/16/2023</a:t>
             </a:fld>
             <a:endParaRPr lang="en-US" dirty="0"/>
           </a:p>
@@ -3433,7 +3432,7 @@
           <a:p>
             <a:fld id="{9334D819-9F07-4261-B09B-9E467E5D9002}" type="datetimeFigureOut">
               <a:rPr lang="en-US" dirty="0"/>
-              <a:t>3/9/2023</a:t>
+              <a:t>3/16/2023</a:t>
             </a:fld>
             <a:endParaRPr lang="en-US" dirty="0"/>
           </a:p>
@@ -3818,7 +3817,7 @@
           <a:p>
             <a:fld id="{9334D819-9F07-4261-B09B-9E467E5D9002}" type="datetimeFigureOut">
               <a:rPr lang="en-US" dirty="0"/>
-              <a:t>3/9/2023</a:t>
+              <a:t>3/16/2023</a:t>
             </a:fld>
             <a:endParaRPr lang="en-US" dirty="0"/>
           </a:p>
@@ -3936,7 +3935,7 @@
           <a:p>
             <a:fld id="{9334D819-9F07-4261-B09B-9E467E5D9002}" type="datetimeFigureOut">
               <a:rPr lang="en-US" dirty="0"/>
-              <a:t>3/9/2023</a:t>
+              <a:t>3/16/2023</a:t>
             </a:fld>
             <a:endParaRPr lang="en-US" dirty="0"/>
           </a:p>
@@ -4026,7 +4025,7 @@
           <a:p>
             <a:fld id="{9334D819-9F07-4261-B09B-9E467E5D9002}" type="datetimeFigureOut">
               <a:rPr lang="en-US" dirty="0"/>
-              <a:t>3/9/2023</a:t>
+              <a:t>3/16/2023</a:t>
             </a:fld>
             <a:endParaRPr lang="en-US" dirty="0"/>
           </a:p>
@@ -4784,7 +4783,7 @@
           <a:p>
             <a:fld id="{9334D819-9F07-4261-B09B-9E467E5D9002}" type="datetimeFigureOut">
               <a:rPr lang="en-US" dirty="0"/>
-              <a:t>3/9/2023</a:t>
+              <a:t>3/16/2023</a:t>
             </a:fld>
             <a:endParaRPr lang="en-US" dirty="0"/>
           </a:p>
@@ -5619,7 +5618,7 @@
           <a:p>
             <a:fld id="{9334D819-9F07-4261-B09B-9E467E5D9002}" type="datetimeFigureOut">
               <a:rPr lang="en-US" dirty="0"/>
-              <a:t>3/9/2023</a:t>
+              <a:t>3/16/2023</a:t>
             </a:fld>
             <a:endParaRPr lang="en-US" dirty="0"/>
           </a:p>
@@ -5842,7 +5841,7 @@
             <a:fld id="{9334D819-9F07-4261-B09B-9E467E5D9002}" type="datetimeFigureOut">
               <a:rPr lang="en-US" dirty="0"/>
               <a:pPr/>
-              <a:t>3/9/2023</a:t>
+              <a:t>3/16/2023</a:t>
             </a:fld>
             <a:endParaRPr lang="en-US" dirty="0"/>
           </a:p>
@@ -7133,9 +7132,6 @@
             </a:r>
             <a:endParaRPr lang="sv-SE" dirty="0"/>
           </a:p>
-          <a:p>
-            <a:endParaRPr lang="sv-SE" dirty="0"/>
-          </a:p>
         </p:txBody>
       </p:sp>
       <p:pic>
@@ -7659,7 +7655,7 @@
               <a:t>slide</a:t>
             </a:r>
             <a:r>
-              <a:rPr lang="sv-SE"/>
+              <a:rPr lang="sv-SE" dirty="0"/>
               <a:t>.</a:t>
             </a:r>
           </a:p>
@@ -7850,184 +7846,6 @@
           <p:cNvPr id="2" name="Title 1">
             <a:extLst>
               <a:ext uri="{FF2B5EF4-FFF2-40B4-BE49-F238E27FC236}">
-                <a16:creationId xmlns:a16="http://schemas.microsoft.com/office/drawing/2014/main" id="{8BA58AC2-53A3-44CF-83EC-5FEFFB77C259}"/>
-              </a:ext>
-            </a:extLst>
-          </p:cNvPr>
-          <p:cNvSpPr>
-            <a:spLocks noGrp="1"/>
-          </p:cNvSpPr>
-          <p:nvPr>
-            <p:ph type="title"/>
-          </p:nvPr>
-        </p:nvSpPr>
-        <p:spPr/>
-        <p:txBody>
-          <a:bodyPr/>
-          <a:lstStyle/>
-          <a:p>
-            <a:r>
-              <a:rPr lang="sv-SE" dirty="0"/>
-              <a:t>Innan publicering</a:t>
-            </a:r>
-          </a:p>
-        </p:txBody>
-      </p:sp>
-      <p:sp>
-        <p:nvSpPr>
-          <p:cNvPr id="3" name="Content Placeholder 2">
-            <a:extLst>
-              <a:ext uri="{FF2B5EF4-FFF2-40B4-BE49-F238E27FC236}">
-                <a16:creationId xmlns:a16="http://schemas.microsoft.com/office/drawing/2014/main" id="{E7B5B5C8-9564-4BFA-AB92-C7EE93130FDC}"/>
-              </a:ext>
-            </a:extLst>
-          </p:cNvPr>
-          <p:cNvSpPr>
-            <a:spLocks noGrp="1"/>
-          </p:cNvSpPr>
-          <p:nvPr>
-            <p:ph idx="1"/>
-          </p:nvPr>
-        </p:nvSpPr>
-        <p:spPr>
-          <a:xfrm>
-            <a:off x="1251678" y="1304926"/>
-            <a:ext cx="10178322" cy="3593591"/>
-          </a:xfrm>
-        </p:spPr>
-        <p:txBody>
-          <a:bodyPr/>
-          <a:lstStyle/>
-          <a:p>
-            <a:r>
-              <a:rPr lang="sv-SE" dirty="0"/>
-              <a:t>För att </a:t>
-            </a:r>
-            <a:r>
-              <a:rPr lang="sv-SE" dirty="0" err="1"/>
-              <a:t>Nuxt</a:t>
-            </a:r>
-            <a:r>
-              <a:rPr lang="sv-SE" dirty="0"/>
-              <a:t> ska generera era artiklar så måste ni lista dem i nuxt.config.js enligt:</a:t>
-            </a:r>
-          </a:p>
-          <a:p>
-            <a:r>
-              <a:rPr lang="sv-SE" dirty="0"/>
-              <a:t>Där exemplet har </a:t>
-            </a:r>
-            <a:r>
-              <a:rPr lang="sv-SE" b="1" dirty="0"/>
-              <a:t>posts</a:t>
-            </a:r>
-            <a:r>
-              <a:rPr lang="sv-SE" dirty="0"/>
-              <a:t> som mapp i pages.</a:t>
-            </a:r>
-            <a:br>
-              <a:rPr lang="sv-SE" dirty="0"/>
-            </a:br>
-            <a:r>
-              <a:rPr lang="sv-SE" dirty="0"/>
-              <a:t>Och </a:t>
-            </a:r>
-            <a:r>
-              <a:rPr lang="sv-SE" b="1" dirty="0"/>
-              <a:t>_id</a:t>
-            </a:r>
-            <a:r>
-              <a:rPr lang="sv-SE" dirty="0"/>
-              <a:t> är </a:t>
-            </a:r>
-            <a:r>
-              <a:rPr lang="sv-SE" dirty="0" err="1"/>
-              <a:t>balut</a:t>
-            </a:r>
-            <a:r>
-              <a:rPr lang="sv-SE" dirty="0"/>
-              <a:t>, </a:t>
-            </a:r>
-            <a:r>
-              <a:rPr lang="sv-SE" dirty="0" err="1"/>
-              <a:t>whereIsIt</a:t>
-            </a:r>
-            <a:r>
-              <a:rPr lang="sv-SE" dirty="0"/>
-              <a:t>…</a:t>
-            </a:r>
-            <a:br>
-              <a:rPr lang="sv-SE" dirty="0"/>
-            </a:br>
-            <a:endParaRPr lang="sv-SE" dirty="0"/>
-          </a:p>
-        </p:txBody>
-      </p:sp>
-      <p:pic>
-        <p:nvPicPr>
-          <p:cNvPr id="5" name="Picture 4">
-            <a:extLst>
-              <a:ext uri="{FF2B5EF4-FFF2-40B4-BE49-F238E27FC236}">
-                <a16:creationId xmlns:a16="http://schemas.microsoft.com/office/drawing/2014/main" id="{5DDCCDE5-17AF-4A61-8FEE-BF89A7D7B799}"/>
-              </a:ext>
-            </a:extLst>
-          </p:cNvPr>
-          <p:cNvPicPr>
-            <a:picLocks noChangeAspect="1"/>
-          </p:cNvPicPr>
-          <p:nvPr/>
-        </p:nvPicPr>
-        <p:blipFill>
-          <a:blip r:embed="rId2"/>
-          <a:stretch>
-            <a:fillRect/>
-          </a:stretch>
-        </p:blipFill>
-        <p:spPr>
-          <a:xfrm>
-            <a:off x="6730272" y="1766887"/>
-            <a:ext cx="4210050" cy="5000625"/>
-          </a:xfrm>
-          <a:prstGeom prst="rect">
-            <a:avLst/>
-          </a:prstGeom>
-        </p:spPr>
-      </p:pic>
-    </p:spTree>
-    <p:extLst>
-      <p:ext uri="{BB962C8B-B14F-4D97-AF65-F5344CB8AC3E}">
-        <p14:creationId xmlns:p14="http://schemas.microsoft.com/office/powerpoint/2010/main" val="729385740"/>
-      </p:ext>
-    </p:extLst>
-  </p:cSld>
-  <p:clrMapOvr>
-    <a:masterClrMapping/>
-  </p:clrMapOvr>
-</p:sld>
-</file>
-
-<file path=ppt/slides/slide17.xml><?xml version="1.0" encoding="utf-8"?>
-<p:sld xmlns:a="http://schemas.openxmlformats.org/drawingml/2006/main" xmlns:r="http://schemas.openxmlformats.org/officeDocument/2006/relationships" xmlns:p="http://schemas.openxmlformats.org/presentationml/2006/main">
-  <p:cSld>
-    <p:spTree>
-      <p:nvGrpSpPr>
-        <p:cNvPr id="1" name=""/>
-        <p:cNvGrpSpPr/>
-        <p:nvPr/>
-      </p:nvGrpSpPr>
-      <p:grpSpPr>
-        <a:xfrm>
-          <a:off x="0" y="0"/>
-          <a:ext cx="0" cy="0"/>
-          <a:chOff x="0" y="0"/>
-          <a:chExt cx="0" cy="0"/>
-        </a:xfrm>
-      </p:grpSpPr>
-      <p:sp>
-        <p:nvSpPr>
-          <p:cNvPr id="2" name="Title 1">
-            <a:extLst>
-              <a:ext uri="{FF2B5EF4-FFF2-40B4-BE49-F238E27FC236}">
                 <a16:creationId xmlns:a16="http://schemas.microsoft.com/office/drawing/2014/main" id="{3CA93FF8-4AC4-404C-8F9F-9AC7C4C66F53}"/>
               </a:ext>
             </a:extLst>
@@ -8209,7 +8027,7 @@
 </p:sld>
 </file>
 
-<file path=ppt/slides/slide18.xml><?xml version="1.0" encoding="utf-8"?>
+<file path=ppt/slides/slide17.xml><?xml version="1.0" encoding="utf-8"?>
 <p:sld xmlns:a="http://schemas.openxmlformats.org/drawingml/2006/main" xmlns:r="http://schemas.openxmlformats.org/officeDocument/2006/relationships" xmlns:p="http://schemas.openxmlformats.org/presentationml/2006/main">
   <p:cSld>
     <p:spTree>
@@ -8269,7 +8087,7 @@
 </p:sld>
 </file>
 
-<file path=ppt/slides/slide19.xml><?xml version="1.0" encoding="utf-8"?>
+<file path=ppt/slides/slide18.xml><?xml version="1.0" encoding="utf-8"?>
 <p:sld xmlns:a="http://schemas.openxmlformats.org/drawingml/2006/main" xmlns:r="http://schemas.openxmlformats.org/officeDocument/2006/relationships" xmlns:p="http://schemas.openxmlformats.org/presentationml/2006/main">
   <p:cSld>
     <p:spTree>
@@ -8329,159 +8147,7 @@
 </p:sld>
 </file>
 
-<file path=ppt/slides/slide2.xml><?xml version="1.0" encoding="utf-8"?>
-<p:sld xmlns:a="http://schemas.openxmlformats.org/drawingml/2006/main" xmlns:r="http://schemas.openxmlformats.org/officeDocument/2006/relationships" xmlns:p="http://schemas.openxmlformats.org/presentationml/2006/main">
-  <p:cSld>
-    <p:spTree>
-      <p:nvGrpSpPr>
-        <p:cNvPr id="1" name=""/>
-        <p:cNvGrpSpPr/>
-        <p:nvPr/>
-      </p:nvGrpSpPr>
-      <p:grpSpPr>
-        <a:xfrm>
-          <a:off x="0" y="0"/>
-          <a:ext cx="0" cy="0"/>
-          <a:chOff x="0" y="0"/>
-          <a:chExt cx="0" cy="0"/>
-        </a:xfrm>
-      </p:grpSpPr>
-      <p:sp>
-        <p:nvSpPr>
-          <p:cNvPr id="2" name="Rubrik 1">
-            <a:extLst>
-              <a:ext uri="{FF2B5EF4-FFF2-40B4-BE49-F238E27FC236}">
-                <a16:creationId xmlns:a16="http://schemas.microsoft.com/office/drawing/2014/main" id="{A5601C29-4CC8-43BE-9951-7351DEFFEE4D}"/>
-              </a:ext>
-            </a:extLst>
-          </p:cNvPr>
-          <p:cNvSpPr>
-            <a:spLocks noGrp="1"/>
-          </p:cNvSpPr>
-          <p:nvPr>
-            <p:ph type="title"/>
-          </p:nvPr>
-        </p:nvSpPr>
-        <p:spPr/>
-        <p:txBody>
-          <a:bodyPr/>
-          <a:lstStyle/>
-          <a:p>
-            <a:r>
-              <a:rPr lang="sv-SE" dirty="0"/>
-              <a:t>Målet - Hitta en design &amp; implementera</a:t>
-            </a:r>
-          </a:p>
-        </p:txBody>
-      </p:sp>
-      <p:sp>
-        <p:nvSpPr>
-          <p:cNvPr id="3" name="Platshållare för innehåll 2">
-            <a:extLst>
-              <a:ext uri="{FF2B5EF4-FFF2-40B4-BE49-F238E27FC236}">
-                <a16:creationId xmlns:a16="http://schemas.microsoft.com/office/drawing/2014/main" id="{D5CEFD4A-BE34-41BF-9908-37B293496C95}"/>
-              </a:ext>
-            </a:extLst>
-          </p:cNvPr>
-          <p:cNvSpPr>
-            <a:spLocks noGrp="1"/>
-          </p:cNvSpPr>
-          <p:nvPr>
-            <p:ph idx="1"/>
-          </p:nvPr>
-        </p:nvSpPr>
-        <p:spPr/>
-        <p:txBody>
-          <a:bodyPr/>
-          <a:lstStyle/>
-          <a:p>
-            <a:r>
-              <a:rPr lang="sv-SE" dirty="0"/>
-              <a:t>Hitta en snygg design som du tror du kan implementera </a:t>
-            </a:r>
-          </a:p>
-          <a:p>
-            <a:r>
-              <a:rPr lang="sv-SE" dirty="0"/>
-              <a:t>Några exempel sidor att leta på</a:t>
-            </a:r>
-          </a:p>
-          <a:p>
-            <a:pPr lvl="1"/>
-            <a:r>
-              <a:rPr lang="sv-SE" dirty="0">
-                <a:hlinkClick r:id="rId2"/>
-              </a:rPr>
-              <a:t>https://www.behance.net/</a:t>
-            </a:r>
-            <a:endParaRPr lang="sv-SE" dirty="0"/>
-          </a:p>
-          <a:p>
-            <a:pPr lvl="1"/>
-            <a:r>
-              <a:rPr lang="sv-SE" dirty="0">
-                <a:hlinkClick r:id="rId3"/>
-              </a:rPr>
-              <a:t>https://dribbble.com/</a:t>
-            </a:r>
-            <a:endParaRPr lang="sv-SE" dirty="0"/>
-          </a:p>
-          <a:p>
-            <a:r>
-              <a:rPr lang="sv-SE" dirty="0"/>
-              <a:t>Exempel på designen som jag använda och kopierade på min företagshemsida:</a:t>
-            </a:r>
-          </a:p>
-          <a:p>
-            <a:pPr lvl="1"/>
-            <a:r>
-              <a:rPr lang="sv-SE" dirty="0"/>
-              <a:t>Design:</a:t>
-            </a:r>
-          </a:p>
-          <a:p>
-            <a:pPr lvl="2"/>
-            <a:r>
-              <a:rPr lang="sv-SE" dirty="0">
-                <a:hlinkClick r:id="rId4"/>
-              </a:rPr>
-              <a:t>https://www.behance.net/gallery/108084427/Digital-Agency-Website-UIUX-Design</a:t>
-            </a:r>
-            <a:endParaRPr lang="sv-SE" dirty="0"/>
-          </a:p>
-          <a:p>
-            <a:pPr lvl="1"/>
-            <a:r>
-              <a:rPr lang="sv-SE" dirty="0"/>
-              <a:t>Resultat:</a:t>
-            </a:r>
-          </a:p>
-          <a:p>
-            <a:pPr lvl="2"/>
-            <a:r>
-              <a:rPr lang="sv-SE" dirty="0">
-                <a:hlinkClick r:id="rId5"/>
-              </a:rPr>
-              <a:t>https://www.mustini.se/</a:t>
-            </a:r>
-            <a:endParaRPr lang="sv-SE" dirty="0"/>
-          </a:p>
-        </p:txBody>
-      </p:sp>
-    </p:spTree>
-    <p:extLst>
-      <p:ext uri="{BB962C8B-B14F-4D97-AF65-F5344CB8AC3E}">
-        <p14:creationId xmlns:p14="http://schemas.microsoft.com/office/powerpoint/2010/main" val="3086390822"/>
-      </p:ext>
-    </p:extLst>
-  </p:cSld>
-  <p:clrMapOvr>
-    <a:masterClrMapping/>
-  </p:clrMapOvr>
-</p:sld>
-</file>
-
-<file path=ppt/slides/slide20.xml><?xml version="1.0" encoding="utf-8"?>
+<file path=ppt/slides/slide19.xml><?xml version="1.0" encoding="utf-8"?>
 <p:sld xmlns:a="http://schemas.openxmlformats.org/drawingml/2006/main" xmlns:r="http://schemas.openxmlformats.org/officeDocument/2006/relationships" xmlns:p="http://schemas.openxmlformats.org/presentationml/2006/main">
   <p:cSld>
     <p:spTree>
@@ -8541,7 +8207,159 @@
 </p:sld>
 </file>
 
-<file path=ppt/slides/slide21.xml><?xml version="1.0" encoding="utf-8"?>
+<file path=ppt/slides/slide2.xml><?xml version="1.0" encoding="utf-8"?>
+<p:sld xmlns:a="http://schemas.openxmlformats.org/drawingml/2006/main" xmlns:r="http://schemas.openxmlformats.org/officeDocument/2006/relationships" xmlns:p="http://schemas.openxmlformats.org/presentationml/2006/main">
+  <p:cSld>
+    <p:spTree>
+      <p:nvGrpSpPr>
+        <p:cNvPr id="1" name=""/>
+        <p:cNvGrpSpPr/>
+        <p:nvPr/>
+      </p:nvGrpSpPr>
+      <p:grpSpPr>
+        <a:xfrm>
+          <a:off x="0" y="0"/>
+          <a:ext cx="0" cy="0"/>
+          <a:chOff x="0" y="0"/>
+          <a:chExt cx="0" cy="0"/>
+        </a:xfrm>
+      </p:grpSpPr>
+      <p:sp>
+        <p:nvSpPr>
+          <p:cNvPr id="2" name="Rubrik 1">
+            <a:extLst>
+              <a:ext uri="{FF2B5EF4-FFF2-40B4-BE49-F238E27FC236}">
+                <a16:creationId xmlns:a16="http://schemas.microsoft.com/office/drawing/2014/main" id="{A5601C29-4CC8-43BE-9951-7351DEFFEE4D}"/>
+              </a:ext>
+            </a:extLst>
+          </p:cNvPr>
+          <p:cNvSpPr>
+            <a:spLocks noGrp="1"/>
+          </p:cNvSpPr>
+          <p:nvPr>
+            <p:ph type="title"/>
+          </p:nvPr>
+        </p:nvSpPr>
+        <p:spPr/>
+        <p:txBody>
+          <a:bodyPr/>
+          <a:lstStyle/>
+          <a:p>
+            <a:r>
+              <a:rPr lang="sv-SE" dirty="0"/>
+              <a:t>Målet - Hitta en design &amp; implementera</a:t>
+            </a:r>
+          </a:p>
+        </p:txBody>
+      </p:sp>
+      <p:sp>
+        <p:nvSpPr>
+          <p:cNvPr id="3" name="Platshållare för innehåll 2">
+            <a:extLst>
+              <a:ext uri="{FF2B5EF4-FFF2-40B4-BE49-F238E27FC236}">
+                <a16:creationId xmlns:a16="http://schemas.microsoft.com/office/drawing/2014/main" id="{D5CEFD4A-BE34-41BF-9908-37B293496C95}"/>
+              </a:ext>
+            </a:extLst>
+          </p:cNvPr>
+          <p:cNvSpPr>
+            <a:spLocks noGrp="1"/>
+          </p:cNvSpPr>
+          <p:nvPr>
+            <p:ph idx="1"/>
+          </p:nvPr>
+        </p:nvSpPr>
+        <p:spPr/>
+        <p:txBody>
+          <a:bodyPr/>
+          <a:lstStyle/>
+          <a:p>
+            <a:r>
+              <a:rPr lang="sv-SE" dirty="0"/>
+              <a:t>Hitta en snygg design som du tror du kan implementera </a:t>
+            </a:r>
+          </a:p>
+          <a:p>
+            <a:r>
+              <a:rPr lang="sv-SE" dirty="0"/>
+              <a:t>Några exempel sidor att leta på</a:t>
+            </a:r>
+          </a:p>
+          <a:p>
+            <a:pPr lvl="1"/>
+            <a:r>
+              <a:rPr lang="sv-SE" dirty="0">
+                <a:hlinkClick r:id="rId2"/>
+              </a:rPr>
+              <a:t>https://www.behance.net/</a:t>
+            </a:r>
+            <a:endParaRPr lang="sv-SE" dirty="0"/>
+          </a:p>
+          <a:p>
+            <a:pPr lvl="1"/>
+            <a:r>
+              <a:rPr lang="sv-SE" dirty="0">
+                <a:hlinkClick r:id="rId3"/>
+              </a:rPr>
+              <a:t>https://dribbble.com/</a:t>
+            </a:r>
+            <a:endParaRPr lang="sv-SE" dirty="0"/>
+          </a:p>
+          <a:p>
+            <a:r>
+              <a:rPr lang="sv-SE" dirty="0"/>
+              <a:t>Exempel på designen som jag använda och kopierade på min företagshemsida:</a:t>
+            </a:r>
+          </a:p>
+          <a:p>
+            <a:pPr lvl="1"/>
+            <a:r>
+              <a:rPr lang="sv-SE" dirty="0"/>
+              <a:t>Design:</a:t>
+            </a:r>
+          </a:p>
+          <a:p>
+            <a:pPr lvl="2"/>
+            <a:r>
+              <a:rPr lang="sv-SE" dirty="0">
+                <a:hlinkClick r:id="rId4"/>
+              </a:rPr>
+              <a:t>https://www.behance.net/gallery/108084427/Digital-Agency-Website-UIUX-Design</a:t>
+            </a:r>
+            <a:endParaRPr lang="sv-SE" dirty="0"/>
+          </a:p>
+          <a:p>
+            <a:pPr lvl="1"/>
+            <a:r>
+              <a:rPr lang="sv-SE" dirty="0"/>
+              <a:t>Resultat:</a:t>
+            </a:r>
+          </a:p>
+          <a:p>
+            <a:pPr lvl="2"/>
+            <a:r>
+              <a:rPr lang="sv-SE" dirty="0">
+                <a:hlinkClick r:id="rId5"/>
+              </a:rPr>
+              <a:t>https://www.mustini.se/</a:t>
+            </a:r>
+            <a:endParaRPr lang="sv-SE" dirty="0"/>
+          </a:p>
+        </p:txBody>
+      </p:sp>
+    </p:spTree>
+    <p:extLst>
+      <p:ext uri="{BB962C8B-B14F-4D97-AF65-F5344CB8AC3E}">
+        <p14:creationId xmlns:p14="http://schemas.microsoft.com/office/powerpoint/2010/main" val="3086390822"/>
+      </p:ext>
+    </p:extLst>
+  </p:cSld>
+  <p:clrMapOvr>
+    <a:masterClrMapping/>
+  </p:clrMapOvr>
+</p:sld>
+</file>
+
+<file path=ppt/slides/slide20.xml><?xml version="1.0" encoding="utf-8"?>
 <p:sld xmlns:a="http://schemas.openxmlformats.org/drawingml/2006/main" xmlns:r="http://schemas.openxmlformats.org/officeDocument/2006/relationships" xmlns:p="http://schemas.openxmlformats.org/presentationml/2006/main">
   <p:cSld>
     <p:spTree>
@@ -8601,7 +8419,7 @@
 </p:sld>
 </file>
 
-<file path=ppt/slides/slide22.xml><?xml version="1.0" encoding="utf-8"?>
+<file path=ppt/slides/slide21.xml><?xml version="1.0" encoding="utf-8"?>
 <p:sld xmlns:a="http://schemas.openxmlformats.org/drawingml/2006/main" xmlns:r="http://schemas.openxmlformats.org/officeDocument/2006/relationships" xmlns:p="http://schemas.openxmlformats.org/presentationml/2006/main">
   <p:cSld>
     <p:spTree>
@@ -8745,7 +8563,7 @@
 </p:sld>
 </file>
 
-<file path=ppt/slides/slide23.xml><?xml version="1.0" encoding="utf-8"?>
+<file path=ppt/slides/slide22.xml><?xml version="1.0" encoding="utf-8"?>
 <p:sld xmlns:a="http://schemas.openxmlformats.org/drawingml/2006/main" xmlns:r="http://schemas.openxmlformats.org/officeDocument/2006/relationships" xmlns:p="http://schemas.openxmlformats.org/presentationml/2006/main">
   <p:cSld>
     <p:spTree>
@@ -9305,7 +9123,7 @@
           <a:p>
             <a:r>
               <a:rPr lang="sv-SE" dirty="0"/>
-              <a:t>Del 3 - Snyggaste bloggen utses, kanske också vinner ett pris </a:t>
+              <a:t>Del 3 - Snyggaste bloggen utses </a:t>
             </a:r>
             <a:r>
               <a:rPr lang="sv-SE" dirty="0">
@@ -9665,11 +9483,12 @@
               <a:rPr lang="sv-SE" dirty="0">
                 <a:hlinkClick r:id="rId2"/>
               </a:rPr>
-              <a:t>https://nuxtjs.org/docs/get-started/installation</a:t>
+              <a:t>https://nuxt.com/docs/getting-started/installation</a:t>
             </a:r>
             <a:endParaRPr lang="sv-SE" dirty="0"/>
           </a:p>
           <a:p>
+            <a:pPr lvl="1"/>
             <a:r>
               <a:rPr lang="sv-SE" dirty="0"/>
               <a:t>Ni ska gå igenom grunderna i </a:t>
@@ -9689,23 +9508,7 @@
               <a:rPr lang="sv-SE" dirty="0">
                 <a:hlinkClick r:id="rId3"/>
               </a:rPr>
-              <a:t>https://vueschool.io/courses/nuxtjs-fundamentals</a:t>
-            </a:r>
-            <a:endParaRPr lang="sv-SE" dirty="0"/>
-          </a:p>
-          <a:p>
-            <a:r>
-              <a:rPr lang="sv-SE" dirty="0"/>
-              <a:t>En artikel som jag skrivit om skillnaderna mellan Wordpress och JAM-stack statiska sidor:</a:t>
-            </a:r>
-          </a:p>
-          <a:p>
-            <a:pPr lvl="1"/>
-            <a:r>
-              <a:rPr lang="sv-SE" dirty="0">
-                <a:hlinkClick r:id="rId4"/>
-              </a:rPr>
-              <a:t>https://www.mustini.se/blogg/jamstack-eller-wordpress</a:t>
+              <a:t>https://www.youtube.com/watch?v=GBdO5myZNsQ&amp;list=PL4cUxeGkcC9haQlqdCQyYmL_27TesCGPC</a:t>
             </a:r>
             <a:endParaRPr lang="sv-SE" dirty="0"/>
           </a:p>
@@ -9726,7 +9529,7 @@
           <p:nvPr/>
         </p:nvPicPr>
         <p:blipFill>
-          <a:blip r:embed="rId5">
+          <a:blip r:embed="rId4">
             <a:extLst>
               <a:ext uri="{28A0092B-C50C-407E-A947-70E740481C1C}">
                 <a14:useLocalDpi xmlns:a14="http://schemas.microsoft.com/office/drawing/2010/main" val="0"/>
@@ -9824,36 +9627,61 @@
           </a:p>
         </p:txBody>
       </p:sp>
-      <p:pic>
-        <p:nvPicPr>
-          <p:cNvPr id="7" name="Picture 6">
+      <p:sp>
+        <p:nvSpPr>
+          <p:cNvPr id="3" name="Platshållare för innehåll 2">
             <a:extLst>
               <a:ext uri="{FF2B5EF4-FFF2-40B4-BE49-F238E27FC236}">
-                <a16:creationId xmlns:a16="http://schemas.microsoft.com/office/drawing/2014/main" id="{A980E97F-B01E-464E-80A6-11F8888D6459}"/>
+                <a16:creationId xmlns:a16="http://schemas.microsoft.com/office/drawing/2014/main" id="{A8835CF0-86D0-A4A6-19DB-FF6D38987CAA}"/>
               </a:ext>
             </a:extLst>
           </p:cNvPr>
-          <p:cNvPicPr>
-            <a:picLocks noChangeAspect="1"/>
-          </p:cNvPicPr>
-          <p:nvPr/>
-        </p:nvPicPr>
-        <p:blipFill>
-          <a:blip r:embed="rId2"/>
-          <a:stretch>
-            <a:fillRect/>
-          </a:stretch>
-        </p:blipFill>
+          <p:cNvSpPr>
+            <a:spLocks noGrp="1"/>
+          </p:cNvSpPr>
+          <p:nvPr>
+            <p:ph idx="1"/>
+          </p:nvPr>
+        </p:nvSpPr>
         <p:spPr>
           <a:xfrm>
-            <a:off x="1251678" y="1232366"/>
-            <a:ext cx="8372475" cy="3771900"/>
+            <a:off x="1251678" y="2286001"/>
+            <a:ext cx="10178322" cy="3593591"/>
           </a:xfrm>
-          <a:prstGeom prst="rect">
-            <a:avLst/>
-          </a:prstGeom>
         </p:spPr>
-      </p:pic>
+        <p:txBody>
+          <a:bodyPr/>
+          <a:lstStyle/>
+          <a:p>
+            <a:r>
+              <a:rPr lang="sv-SE" dirty="0"/>
+              <a:t>Gå igenom den här länken för att skapa ett nytt </a:t>
+            </a:r>
+            <a:r>
+              <a:rPr lang="sv-SE" dirty="0" err="1"/>
+              <a:t>Nuxt</a:t>
+            </a:r>
+            <a:r>
+              <a:rPr lang="sv-SE" dirty="0"/>
+              <a:t> projekt:</a:t>
+            </a:r>
+          </a:p>
+          <a:p>
+            <a:r>
+              <a:rPr lang="sv-SE" dirty="0">
+                <a:hlinkClick r:id="rId2"/>
+              </a:rPr>
+              <a:t>https://nuxtjs.org/docs/get-started/installation/</a:t>
+            </a:r>
+            <a:br>
+              <a:rPr lang="sv-SE" dirty="0">
+                <a:hlinkClick r:id="rId2"/>
+              </a:rPr>
+            </a:br>
+            <a:endParaRPr lang="sv-SE" dirty="0"/>
+          </a:p>
+        </p:txBody>
+      </p:sp>
     </p:spTree>
     <p:extLst>
       <p:ext uri="{BB962C8B-B14F-4D97-AF65-F5344CB8AC3E}">
@@ -9940,7 +9768,9 @@
           </a:xfrm>
         </p:spPr>
         <p:txBody>
-          <a:bodyPr/>
+          <a:bodyPr>
+            <a:normAutofit lnSpcReduction="10000"/>
+          </a:bodyPr>
           <a:lstStyle/>
           <a:p>
             <a:r>
@@ -10013,7 +9843,17 @@
             </a:pPr>
             <a:r>
               <a:rPr lang="sv-SE" dirty="0"/>
-              <a:t>Skapa 3 sidor som det ska gå att navigera i mellan </a:t>
+              <a:t>Skapa en mapp pages för sidorna projektet</a:t>
+            </a:r>
+          </a:p>
+          <a:p>
+            <a:pPr marL="457200" indent="-457200">
+              <a:buFont typeface="+mj-lt"/>
+              <a:buAutoNum type="arabicPeriod"/>
+            </a:pPr>
+            <a:r>
+              <a:rPr lang="sv-SE" dirty="0"/>
+              <a:t>Skapa 3 sidor i pages som det ska gå att navigera i mellan </a:t>
             </a:r>
           </a:p>
           <a:p>
@@ -10059,11 +9899,11 @@
             </a:pPr>
             <a:r>
               <a:rPr lang="sv-SE" b="1" dirty="0"/>
-              <a:t>_</a:t>
+              <a:t>[id].</a:t>
             </a:r>
             <a:r>
               <a:rPr lang="sv-SE" b="1" dirty="0" err="1"/>
-              <a:t>id.vue</a:t>
+              <a:t>vue</a:t>
             </a:r>
             <a:r>
               <a:rPr lang="sv-SE" b="1" dirty="0"/>
@@ -10172,7 +10012,7 @@
           <a:p>
             <a:r>
               <a:rPr lang="sv-SE" dirty="0"/>
-              <a:t>Del 1 - Gå igenom </a:t>
+              <a:t>Del 2 - Gå igenom </a:t>
             </a:r>
             <a:r>
               <a:rPr lang="sv-SE" dirty="0" err="1"/>
@@ -10842,6 +10682,15 @@
 </file>
 
 <file path=customXml/item2.xml><?xml version="1.0" encoding="utf-8"?>
+<?mso-contentType ?>
+<FormTemplates xmlns="http://schemas.microsoft.com/sharepoint/v3/contenttype/forms">
+  <Display>DocumentLibraryForm</Display>
+  <Edit>DocumentLibraryForm</Edit>
+  <New>DocumentLibraryForm</New>
+</FormTemplates>
+</file>
+
+<file path=customXml/item3.xml><?xml version="1.0" encoding="utf-8"?>
 <p:properties xmlns:p="http://schemas.microsoft.com/office/2006/metadata/properties" xmlns:xsi="http://www.w3.org/2001/XMLSchema-instance" xmlns:pc="http://schemas.microsoft.com/office/infopath/2007/PartnerControls">
   <documentManagement>
     <lcf76f155ced4ddcb4097134ff3c332f xmlns="e86b6c65-bf3b-4d28-b485-058d29e6cf10">
@@ -10852,15 +10701,6 @@
     <_ip_UnifiedCompliancePolicyProperties xmlns="http://schemas.microsoft.com/sharepoint/v3" xsi:nil="true"/>
   </documentManagement>
 </p:properties>
-</file>
-
-<file path=customXml/item3.xml><?xml version="1.0" encoding="utf-8"?>
-<?mso-contentType ?>
-<FormTemplates xmlns="http://schemas.microsoft.com/sharepoint/v3/contenttype/forms">
-  <Display>DocumentLibraryForm</Display>
-  <Edit>DocumentLibraryForm</Edit>
-  <New>DocumentLibraryForm</New>
-</FormTemplates>
 </file>
 
 <file path=customXml/itemProps1.xml><?xml version="1.0" encoding="utf-8"?>
@@ -10884,6 +10724,14 @@
 </file>
 
 <file path=customXml/itemProps2.xml><?xml version="1.0" encoding="utf-8"?>
+<ds:datastoreItem xmlns:ds="http://schemas.openxmlformats.org/officeDocument/2006/customXml" ds:itemID="{CE8B965A-83B3-4B4E-AB75-8CA1C41D181D}">
+  <ds:schemaRefs>
+    <ds:schemaRef ds:uri="http://schemas.microsoft.com/sharepoint/v3/contenttype/forms"/>
+  </ds:schemaRefs>
+</ds:datastoreItem>
+</file>
+
+<file path=customXml/itemProps3.xml><?xml version="1.0" encoding="utf-8"?>
 <ds:datastoreItem xmlns:ds="http://schemas.openxmlformats.org/officeDocument/2006/customXml" ds:itemID="{9961F19E-FC80-472D-9E22-EE5F25967EDF}">
   <ds:schemaRefs>
     <ds:schemaRef ds:uri="http://schemas.microsoft.com/office/2006/documentManagement/types"/>
@@ -10899,12 +10747,4 @@
     <ds:schemaRef ds:uri="http://purl.org/dc/terms/"/>
   </ds:schemaRefs>
 </ds:datastoreItem>
-</file>
-
-<file path=customXml/itemProps3.xml><?xml version="1.0" encoding="utf-8"?>
-<ds:datastoreItem xmlns:ds="http://schemas.openxmlformats.org/officeDocument/2006/customXml" ds:itemID="{CE8B965A-83B3-4B4E-AB75-8CA1C41D181D}">
-  <ds:schemaRefs>
-    <ds:schemaRef ds:uri="http://schemas.microsoft.com/sharepoint/v3/contenttype/forms"/>
-  </ds:schemaRefs>
-</ds:datastoreItem>
 </file>